--- a/bound.pptx
+++ b/bound.pptx
@@ -9,9 +9,11 @@
     <p:sldId id="257" r:id="rId4"/>
     <p:sldId id="258" r:id="rId5"/>
     <p:sldId id="259" r:id="rId6"/>
-    <p:sldId id="260" r:id="rId7"/>
-    <p:sldId id="261" r:id="rId8"/>
-    <p:sldId id="262" r:id="rId9"/>
+    <p:sldId id="266" r:id="rId7"/>
+    <p:sldId id="260" r:id="rId8"/>
+    <p:sldId id="263" r:id="rId9"/>
+    <p:sldId id="261" r:id="rId10"/>
+    <p:sldId id="262" r:id="rId11"/>
   </p:sldIdLst>
   <p:sldSz cx="12192000" cy="6858000"/>
   <p:notesSz cx="6858000" cy="9144000"/>
@@ -3420,7 +3422,7 @@
         </p:nvSpPr>
         <p:spPr>
           <a:xfrm>
-            <a:off x="996315" y="749935"/>
+            <a:off x="996315" y="111760"/>
             <a:ext cx="1292225" cy="362585"/>
           </a:xfrm>
           <a:prstGeom prst="rect">
@@ -3449,7 +3451,7 @@
         </p:nvCxnSpPr>
         <p:spPr>
           <a:xfrm>
-            <a:off x="2372360" y="931545"/>
+            <a:off x="2372360" y="293370"/>
             <a:ext cx="1331595" cy="0"/>
           </a:xfrm>
           <a:prstGeom prst="straightConnector1">
@@ -3482,7 +3484,7 @@
         </p:nvSpPr>
         <p:spPr>
           <a:xfrm>
-            <a:off x="3898900" y="749935"/>
+            <a:off x="3898900" y="111760"/>
             <a:ext cx="1674495" cy="362585"/>
           </a:xfrm>
           <a:prstGeom prst="rect">
@@ -3511,7 +3513,7 @@
         </p:nvCxnSpPr>
         <p:spPr>
           <a:xfrm>
-            <a:off x="5488940" y="937260"/>
+            <a:off x="5488940" y="299085"/>
             <a:ext cx="1113790" cy="0"/>
           </a:xfrm>
           <a:prstGeom prst="straightConnector1">
@@ -3544,7 +3546,7 @@
         </p:nvSpPr>
         <p:spPr>
           <a:xfrm>
-            <a:off x="6797675" y="755650"/>
+            <a:off x="6797675" y="117475"/>
             <a:ext cx="648970" cy="362585"/>
           </a:xfrm>
           <a:prstGeom prst="rect">
@@ -3573,7 +3575,7 @@
         </p:nvCxnSpPr>
         <p:spPr>
           <a:xfrm>
-            <a:off x="7622540" y="931545"/>
+            <a:off x="7622540" y="293370"/>
             <a:ext cx="1601470" cy="0"/>
           </a:xfrm>
           <a:prstGeom prst="straightConnector1">
@@ -3606,7 +3608,7 @@
         </p:nvSpPr>
         <p:spPr>
           <a:xfrm>
-            <a:off x="9291320" y="749935"/>
+            <a:off x="9291320" y="111760"/>
             <a:ext cx="1893570" cy="362585"/>
           </a:xfrm>
           <a:prstGeom prst="rect">
@@ -3635,7 +3637,7 @@
         </p:nvSpPr>
         <p:spPr>
           <a:xfrm>
-            <a:off x="2441575" y="1446530"/>
+            <a:off x="2441575" y="808355"/>
             <a:ext cx="1438910" cy="868045"/>
           </a:xfrm>
           <a:prstGeom prst="rect">
@@ -3717,7 +3719,7 @@
         </p:nvSpPr>
         <p:spPr>
           <a:xfrm>
-            <a:off x="5573395" y="1446530"/>
+            <a:off x="5573395" y="808355"/>
             <a:ext cx="1063625" cy="487045"/>
           </a:xfrm>
           <a:prstGeom prst="rect">
@@ -3770,7 +3772,7 @@
         </p:nvSpPr>
         <p:spPr>
           <a:xfrm>
-            <a:off x="7622540" y="1483995"/>
+            <a:off x="7622540" y="845820"/>
             <a:ext cx="2646045" cy="786765"/>
           </a:xfrm>
           <a:prstGeom prst="rect">
@@ -3848,6 +3850,585 @@
         <p:nvPr/>
       </p:nvGrpSpPr>
       <p:grpSpPr/>
+      <p:sp>
+        <p:nvSpPr>
+          <p:cNvPr id="2" name="Text Box 1"/>
+          <p:cNvSpPr txBox="1"/>
+          <p:nvPr/>
+        </p:nvSpPr>
+        <p:spPr>
+          <a:xfrm>
+            <a:off x="996315" y="111760"/>
+            <a:ext cx="1292225" cy="362585"/>
+          </a:xfrm>
+          <a:prstGeom prst="rect">
+            <a:avLst/>
+          </a:prstGeom>
+          <a:noFill/>
+        </p:spPr>
+        <p:txBody>
+          <a:bodyPr wrap="square" rtlCol="0">
+            <a:noAutofit/>
+          </a:bodyPr>
+          <a:p>
+            <a:r>
+              <a:rPr lang="en-US"/>
+              <a:t>structure</a:t>
+            </a:r>
+            <a:endParaRPr lang="en-US"/>
+          </a:p>
+        </p:txBody>
+      </p:sp>
+      <p:cxnSp>
+        <p:nvCxnSpPr>
+          <p:cNvPr id="3" name="Straight Arrow Connector 2"/>
+          <p:cNvCxnSpPr/>
+          <p:nvPr/>
+        </p:nvCxnSpPr>
+        <p:spPr>
+          <a:xfrm>
+            <a:off x="2372360" y="293370"/>
+            <a:ext cx="1331595" cy="0"/>
+          </a:xfrm>
+          <a:prstGeom prst="straightConnector1">
+            <a:avLst/>
+          </a:prstGeom>
+          <a:ln>
+            <a:tailEnd type="arrow"/>
+          </a:ln>
+        </p:spPr>
+        <p:style>
+          <a:lnRef idx="2">
+            <a:schemeClr val="accent1"/>
+          </a:lnRef>
+          <a:fillRef idx="0">
+            <a:srgbClr val="FFFFFF"/>
+          </a:fillRef>
+          <a:effectRef idx="0">
+            <a:srgbClr val="FFFFFF"/>
+          </a:effectRef>
+          <a:fontRef idx="minor">
+            <a:schemeClr val="tx1"/>
+          </a:fontRef>
+        </p:style>
+      </p:cxnSp>
+      <p:sp>
+        <p:nvSpPr>
+          <p:cNvPr id="4" name="Text Box 3"/>
+          <p:cNvSpPr txBox="1"/>
+          <p:nvPr/>
+        </p:nvSpPr>
+        <p:spPr>
+          <a:xfrm>
+            <a:off x="3898900" y="111760"/>
+            <a:ext cx="1674495" cy="362585"/>
+          </a:xfrm>
+          <a:prstGeom prst="rect">
+            <a:avLst/>
+          </a:prstGeom>
+          <a:noFill/>
+        </p:spPr>
+        <p:txBody>
+          <a:bodyPr wrap="square" rtlCol="0">
+            <a:noAutofit/>
+          </a:bodyPr>
+          <a:p>
+            <a:r>
+              <a:rPr lang="en-US"/>
+              <a:t>complexity</a:t>
+            </a:r>
+            <a:endParaRPr lang="en-US"/>
+          </a:p>
+        </p:txBody>
+      </p:sp>
+      <p:cxnSp>
+        <p:nvCxnSpPr>
+          <p:cNvPr id="5" name="Straight Arrow Connector 4"/>
+          <p:cNvCxnSpPr/>
+          <p:nvPr/>
+        </p:nvCxnSpPr>
+        <p:spPr>
+          <a:xfrm>
+            <a:off x="5488940" y="299085"/>
+            <a:ext cx="1113790" cy="0"/>
+          </a:xfrm>
+          <a:prstGeom prst="straightConnector1">
+            <a:avLst/>
+          </a:prstGeom>
+          <a:ln>
+            <a:tailEnd type="arrow"/>
+          </a:ln>
+        </p:spPr>
+        <p:style>
+          <a:lnRef idx="2">
+            <a:schemeClr val="accent1"/>
+          </a:lnRef>
+          <a:fillRef idx="0">
+            <a:srgbClr val="FFFFFF"/>
+          </a:fillRef>
+          <a:effectRef idx="0">
+            <a:srgbClr val="FFFFFF"/>
+          </a:effectRef>
+          <a:fontRef idx="minor">
+            <a:schemeClr val="tx1"/>
+          </a:fontRef>
+        </p:style>
+      </p:cxnSp>
+      <p:sp>
+        <p:nvSpPr>
+          <p:cNvPr id="6" name="Text Box 5"/>
+          <p:cNvSpPr txBox="1"/>
+          <p:nvPr/>
+        </p:nvSpPr>
+        <p:spPr>
+          <a:xfrm>
+            <a:off x="6797675" y="117475"/>
+            <a:ext cx="648970" cy="362585"/>
+          </a:xfrm>
+          <a:prstGeom prst="rect">
+            <a:avLst/>
+          </a:prstGeom>
+          <a:noFill/>
+        </p:spPr>
+        <p:txBody>
+          <a:bodyPr wrap="square" rtlCol="0">
+            <a:noAutofit/>
+          </a:bodyPr>
+          <a:p>
+            <a:r>
+              <a:rPr lang="en-US"/>
+              <a:t>P(c)</a:t>
+            </a:r>
+            <a:endParaRPr lang="zh-CN" altLang="en-US"/>
+          </a:p>
+        </p:txBody>
+      </p:sp>
+      <p:cxnSp>
+        <p:nvCxnSpPr>
+          <p:cNvPr id="7" name="Straight Arrow Connector 6"/>
+          <p:cNvCxnSpPr/>
+          <p:nvPr/>
+        </p:nvCxnSpPr>
+        <p:spPr>
+          <a:xfrm>
+            <a:off x="7622540" y="293370"/>
+            <a:ext cx="1601470" cy="0"/>
+          </a:xfrm>
+          <a:prstGeom prst="straightConnector1">
+            <a:avLst/>
+          </a:prstGeom>
+          <a:ln>
+            <a:tailEnd type="arrow"/>
+          </a:ln>
+        </p:spPr>
+        <p:style>
+          <a:lnRef idx="2">
+            <a:schemeClr val="accent1"/>
+          </a:lnRef>
+          <a:fillRef idx="0">
+            <a:srgbClr val="FFFFFF"/>
+          </a:fillRef>
+          <a:effectRef idx="0">
+            <a:srgbClr val="FFFFFF"/>
+          </a:effectRef>
+          <a:fontRef idx="minor">
+            <a:schemeClr val="tx1"/>
+          </a:fontRef>
+        </p:style>
+      </p:cxnSp>
+      <p:sp>
+        <p:nvSpPr>
+          <p:cNvPr id="8" name="Text Box 7"/>
+          <p:cNvSpPr txBox="1"/>
+          <p:nvPr/>
+        </p:nvSpPr>
+        <p:spPr>
+          <a:xfrm>
+            <a:off x="9291320" y="111760"/>
+            <a:ext cx="1893570" cy="362585"/>
+          </a:xfrm>
+          <a:prstGeom prst="rect">
+            <a:avLst/>
+          </a:prstGeom>
+          <a:noFill/>
+        </p:spPr>
+        <p:txBody>
+          <a:bodyPr wrap="square" rtlCol="0">
+            <a:noAutofit/>
+          </a:bodyPr>
+          <a:p>
+            <a:r>
+              <a:rPr lang="en-US"/>
+              <a:t>Bounds</a:t>
+            </a:r>
+            <a:endParaRPr lang="zh-CN" altLang="en-US"/>
+          </a:p>
+        </p:txBody>
+      </p:sp>
+      <p:sp>
+        <p:nvSpPr>
+          <p:cNvPr id="10" name="Text Box 9"/>
+          <p:cNvSpPr txBox="1"/>
+          <p:nvPr/>
+        </p:nvSpPr>
+        <p:spPr>
+          <a:xfrm>
+            <a:off x="2441575" y="808355"/>
+            <a:ext cx="1438910" cy="868045"/>
+          </a:xfrm>
+          <a:prstGeom prst="rect">
+            <a:avLst/>
+          </a:prstGeom>
+          <a:noFill/>
+        </p:spPr>
+        <p:txBody>
+          <a:bodyPr wrap="square" rtlCol="0">
+            <a:noAutofit/>
+          </a:bodyPr>
+          <a:p>
+            <a:r>
+              <a:rPr lang="en-US" sz="1200">
+                <a:solidFill>
+                  <a:srgbClr val="0070C0"/>
+                </a:solidFill>
+              </a:rPr>
+              <a:t>spectral norm</a:t>
+            </a:r>
+            <a:endParaRPr lang="en-US" sz="1200">
+              <a:solidFill>
+                <a:srgbClr val="0070C0"/>
+              </a:solidFill>
+            </a:endParaRPr>
+          </a:p>
+          <a:p>
+            <a:r>
+              <a:rPr lang="en-US" sz="1200">
+                <a:solidFill>
+                  <a:srgbClr val="0070C0"/>
+                </a:solidFill>
+              </a:rPr>
+              <a:t>Frobenius</a:t>
+            </a:r>
+            <a:endParaRPr lang="en-US" sz="1200">
+              <a:solidFill>
+                <a:srgbClr val="0070C0"/>
+              </a:solidFill>
+            </a:endParaRPr>
+          </a:p>
+          <a:p>
+            <a:r>
+              <a:rPr lang="en-US" sz="1200">
+                <a:solidFill>
+                  <a:srgbClr val="0070C0"/>
+                </a:solidFill>
+              </a:rPr>
+              <a:t>Path norm</a:t>
+            </a:r>
+            <a:endParaRPr lang="en-US" sz="1200">
+              <a:solidFill>
+                <a:srgbClr val="0070C0"/>
+              </a:solidFill>
+            </a:endParaRPr>
+          </a:p>
+          <a:p>
+            <a:r>
+              <a:rPr lang="en-US" altLang="zh-CN" sz="1200">
+                <a:solidFill>
+                  <a:srgbClr val="0070C0"/>
+                </a:solidFill>
+              </a:rPr>
+              <a:t>...</a:t>
+            </a:r>
+            <a:endParaRPr lang="en-US" altLang="zh-CN" sz="1200">
+              <a:solidFill>
+                <a:srgbClr val="0070C0"/>
+              </a:solidFill>
+            </a:endParaRPr>
+          </a:p>
+        </p:txBody>
+      </p:sp>
+      <p:sp>
+        <p:nvSpPr>
+          <p:cNvPr id="11" name="Text Box 10"/>
+          <p:cNvSpPr txBox="1"/>
+          <p:nvPr/>
+        </p:nvSpPr>
+        <p:spPr>
+          <a:xfrm>
+            <a:off x="5573395" y="808355"/>
+            <a:ext cx="1063625" cy="487045"/>
+          </a:xfrm>
+          <a:prstGeom prst="rect">
+            <a:avLst/>
+          </a:prstGeom>
+          <a:noFill/>
+        </p:spPr>
+        <p:txBody>
+          <a:bodyPr wrap="square" rtlCol="0">
+            <a:noAutofit/>
+          </a:bodyPr>
+          <a:p>
+            <a:r>
+              <a:rPr lang="en-US" sz="1200">
+                <a:solidFill>
+                  <a:srgbClr val="0070C0"/>
+                </a:solidFill>
+              </a:rPr>
+              <a:t>Boltzmann</a:t>
+            </a:r>
+            <a:endParaRPr lang="en-US" sz="1200">
+              <a:solidFill>
+                <a:srgbClr val="0070C0"/>
+              </a:solidFill>
+            </a:endParaRPr>
+          </a:p>
+          <a:p>
+            <a:r>
+              <a:rPr lang="en-US" altLang="zh-CN" sz="1200">
+                <a:solidFill>
+                  <a:srgbClr val="0070C0"/>
+                </a:solidFill>
+                <a:sym typeface="+mn-ea"/>
+              </a:rPr>
+              <a:t>...</a:t>
+            </a:r>
+            <a:endParaRPr lang="en-US" sz="1200">
+              <a:solidFill>
+                <a:srgbClr val="0070C0"/>
+              </a:solidFill>
+            </a:endParaRPr>
+          </a:p>
+        </p:txBody>
+      </p:sp>
+      <p:sp>
+        <p:nvSpPr>
+          <p:cNvPr id="12" name="Text Box 11"/>
+          <p:cNvSpPr txBox="1"/>
+          <p:nvPr/>
+        </p:nvSpPr>
+        <p:spPr>
+          <a:xfrm>
+            <a:off x="7622540" y="845820"/>
+            <a:ext cx="2646045" cy="786765"/>
+          </a:xfrm>
+          <a:prstGeom prst="rect">
+            <a:avLst/>
+          </a:prstGeom>
+          <a:noFill/>
+        </p:spPr>
+        <p:txBody>
+          <a:bodyPr wrap="square" rtlCol="0">
+            <a:noAutofit/>
+          </a:bodyPr>
+          <a:p>
+            <a:r>
+              <a:rPr lang="en-US" sz="1200">
+                <a:solidFill>
+                  <a:srgbClr val="0070C0"/>
+                </a:solidFill>
+              </a:rPr>
+              <a:t>Bin_bar</a:t>
+            </a:r>
+            <a:endParaRPr lang="en-US" sz="1200">
+              <a:solidFill>
+                <a:srgbClr val="0070C0"/>
+              </a:solidFill>
+            </a:endParaRPr>
+          </a:p>
+          <a:p>
+            <a:r>
+              <a:rPr lang="en-US" sz="1200">
+                <a:solidFill>
+                  <a:srgbClr val="0070C0"/>
+                </a:solidFill>
+              </a:rPr>
+              <a:t>Chernoff relaxation</a:t>
+            </a:r>
+            <a:endParaRPr lang="en-US" sz="1200">
+              <a:solidFill>
+                <a:srgbClr val="0070C0"/>
+              </a:solidFill>
+            </a:endParaRPr>
+          </a:p>
+          <a:p>
+            <a:r>
+              <a:rPr lang="en-US" altLang="zh-CN" sz="1200">
+                <a:solidFill>
+                  <a:srgbClr val="0070C0"/>
+                </a:solidFill>
+                <a:sym typeface="+mn-ea"/>
+              </a:rPr>
+              <a:t>...</a:t>
+            </a:r>
+            <a:endParaRPr lang="en-US" sz="1200">
+              <a:solidFill>
+                <a:srgbClr val="0070C0"/>
+              </a:solidFill>
+            </a:endParaRPr>
+          </a:p>
+        </p:txBody>
+      </p:sp>
+      <p:pic>
+        <p:nvPicPr>
+          <p:cNvPr id="16" name="Picture 15"/>
+          <p:cNvPicPr>
+            <a:picLocks noChangeAspect="1"/>
+          </p:cNvPicPr>
+          <p:nvPr/>
+        </p:nvPicPr>
+        <p:blipFill>
+          <a:blip r:embed="rId1"/>
+          <a:stretch>
+            <a:fillRect/>
+          </a:stretch>
+        </p:blipFill>
+        <p:spPr>
+          <a:xfrm>
+            <a:off x="765810" y="1632585"/>
+            <a:ext cx="842645" cy="757555"/>
+          </a:xfrm>
+          <a:prstGeom prst="rect">
+            <a:avLst/>
+          </a:prstGeom>
+        </p:spPr>
+      </p:pic>
+      <p:sp>
+        <p:nvSpPr>
+          <p:cNvPr id="17" name="Text Box 16"/>
+          <p:cNvSpPr txBox="1"/>
+          <p:nvPr/>
+        </p:nvSpPr>
+        <p:spPr>
+          <a:xfrm>
+            <a:off x="2372360" y="1903095"/>
+            <a:ext cx="6096000" cy="275590"/>
+          </a:xfrm>
+          <a:prstGeom prst="rect">
+            <a:avLst/>
+          </a:prstGeom>
+          <a:noFill/>
+        </p:spPr>
+        <p:txBody>
+          <a:bodyPr wrap="square" rtlCol="0" anchor="t">
+            <a:spAutoFit/>
+          </a:bodyPr>
+          <a:p>
+            <a:r>
+              <a:rPr lang="en-US" sz="1200">
+                <a:solidFill>
+                  <a:srgbClr val="0070C0"/>
+                </a:solidFill>
+                <a:sym typeface="+mn-ea"/>
+              </a:rPr>
+              <a:t>spectral norm</a:t>
+            </a:r>
+            <a:endParaRPr lang="en-US" sz="1200">
+              <a:solidFill>
+                <a:srgbClr val="0070C0"/>
+              </a:solidFill>
+              <a:sym typeface="+mn-ea"/>
+            </a:endParaRPr>
+          </a:p>
+        </p:txBody>
+      </p:sp>
+      <p:sp>
+        <p:nvSpPr>
+          <p:cNvPr id="18" name="Text Box 17"/>
+          <p:cNvSpPr txBox="1"/>
+          <p:nvPr/>
+        </p:nvSpPr>
+        <p:spPr>
+          <a:xfrm>
+            <a:off x="5529580" y="1903095"/>
+            <a:ext cx="1063625" cy="487045"/>
+          </a:xfrm>
+          <a:prstGeom prst="rect">
+            <a:avLst/>
+          </a:prstGeom>
+          <a:noFill/>
+        </p:spPr>
+        <p:txBody>
+          <a:bodyPr wrap="square" rtlCol="0">
+            <a:noAutofit/>
+          </a:bodyPr>
+          <a:p>
+            <a:r>
+              <a:rPr lang="en-US" sz="1200">
+                <a:solidFill>
+                  <a:srgbClr val="0070C0"/>
+                </a:solidFill>
+              </a:rPr>
+              <a:t>Boltzmann</a:t>
+            </a:r>
+            <a:endParaRPr lang="en-US" sz="1200">
+              <a:solidFill>
+                <a:srgbClr val="0070C0"/>
+              </a:solidFill>
+            </a:endParaRPr>
+          </a:p>
+        </p:txBody>
+      </p:sp>
+      <p:sp>
+        <p:nvSpPr>
+          <p:cNvPr id="19" name="Text Box 18"/>
+          <p:cNvSpPr txBox="1"/>
+          <p:nvPr/>
+        </p:nvSpPr>
+        <p:spPr>
+          <a:xfrm>
+            <a:off x="7622540" y="1903095"/>
+            <a:ext cx="2646045" cy="786765"/>
+          </a:xfrm>
+          <a:prstGeom prst="rect">
+            <a:avLst/>
+          </a:prstGeom>
+          <a:noFill/>
+        </p:spPr>
+        <p:txBody>
+          <a:bodyPr wrap="square" rtlCol="0">
+            <a:noAutofit/>
+          </a:bodyPr>
+          <a:p>
+            <a:r>
+              <a:rPr lang="en-US" sz="1200">
+                <a:solidFill>
+                  <a:srgbClr val="0070C0"/>
+                </a:solidFill>
+              </a:rPr>
+              <a:t>Chernoff relaxation</a:t>
+            </a:r>
+            <a:endParaRPr lang="en-US" sz="1200">
+              <a:solidFill>
+                <a:srgbClr val="0070C0"/>
+              </a:solidFill>
+            </a:endParaRPr>
+          </a:p>
+        </p:txBody>
+      </p:sp>
+      <p:pic>
+        <p:nvPicPr>
+          <p:cNvPr id="20" name="Picture 19"/>
+          <p:cNvPicPr>
+            <a:picLocks noChangeAspect="1"/>
+          </p:cNvPicPr>
+          <p:nvPr/>
+        </p:nvPicPr>
+        <p:blipFill>
+          <a:blip r:embed="rId2"/>
+          <a:stretch>
+            <a:fillRect/>
+          </a:stretch>
+        </p:blipFill>
+        <p:spPr>
+          <a:xfrm>
+            <a:off x="3761740" y="2185670"/>
+            <a:ext cx="4513580" cy="4669155"/>
+          </a:xfrm>
+          <a:prstGeom prst="rect">
+            <a:avLst/>
+          </a:prstGeom>
+        </p:spPr>
+      </p:pic>
     </p:spTree>
   </p:cSld>
   <p:clrMapOvr>
@@ -3866,6 +4447,1140 @@
         <p:nvPr/>
       </p:nvGrpSpPr>
       <p:grpSpPr/>
+      <p:sp>
+        <p:nvSpPr>
+          <p:cNvPr id="2" name="Text Box 1"/>
+          <p:cNvSpPr txBox="1"/>
+          <p:nvPr/>
+        </p:nvSpPr>
+        <p:spPr>
+          <a:xfrm>
+            <a:off x="996315" y="111760"/>
+            <a:ext cx="1292225" cy="362585"/>
+          </a:xfrm>
+          <a:prstGeom prst="rect">
+            <a:avLst/>
+          </a:prstGeom>
+          <a:noFill/>
+        </p:spPr>
+        <p:txBody>
+          <a:bodyPr wrap="square" rtlCol="0">
+            <a:noAutofit/>
+          </a:bodyPr>
+          <a:p>
+            <a:r>
+              <a:rPr lang="en-US"/>
+              <a:t>structure</a:t>
+            </a:r>
+            <a:endParaRPr lang="en-US"/>
+          </a:p>
+        </p:txBody>
+      </p:sp>
+      <p:cxnSp>
+        <p:nvCxnSpPr>
+          <p:cNvPr id="3" name="Straight Arrow Connector 2"/>
+          <p:cNvCxnSpPr/>
+          <p:nvPr/>
+        </p:nvCxnSpPr>
+        <p:spPr>
+          <a:xfrm>
+            <a:off x="2372360" y="293370"/>
+            <a:ext cx="1331595" cy="0"/>
+          </a:xfrm>
+          <a:prstGeom prst="straightConnector1">
+            <a:avLst/>
+          </a:prstGeom>
+          <a:ln>
+            <a:tailEnd type="arrow"/>
+          </a:ln>
+        </p:spPr>
+        <p:style>
+          <a:lnRef idx="2">
+            <a:schemeClr val="accent1"/>
+          </a:lnRef>
+          <a:fillRef idx="0">
+            <a:srgbClr val="FFFFFF"/>
+          </a:fillRef>
+          <a:effectRef idx="0">
+            <a:srgbClr val="FFFFFF"/>
+          </a:effectRef>
+          <a:fontRef idx="minor">
+            <a:schemeClr val="tx1"/>
+          </a:fontRef>
+        </p:style>
+      </p:cxnSp>
+      <p:sp>
+        <p:nvSpPr>
+          <p:cNvPr id="4" name="Text Box 3"/>
+          <p:cNvSpPr txBox="1"/>
+          <p:nvPr/>
+        </p:nvSpPr>
+        <p:spPr>
+          <a:xfrm>
+            <a:off x="3898900" y="111760"/>
+            <a:ext cx="1674495" cy="362585"/>
+          </a:xfrm>
+          <a:prstGeom prst="rect">
+            <a:avLst/>
+          </a:prstGeom>
+          <a:noFill/>
+        </p:spPr>
+        <p:txBody>
+          <a:bodyPr wrap="square" rtlCol="0">
+            <a:noAutofit/>
+          </a:bodyPr>
+          <a:p>
+            <a:r>
+              <a:rPr lang="en-US"/>
+              <a:t>complexity</a:t>
+            </a:r>
+            <a:endParaRPr lang="en-US"/>
+          </a:p>
+        </p:txBody>
+      </p:sp>
+      <p:cxnSp>
+        <p:nvCxnSpPr>
+          <p:cNvPr id="5" name="Straight Arrow Connector 4"/>
+          <p:cNvCxnSpPr/>
+          <p:nvPr/>
+        </p:nvCxnSpPr>
+        <p:spPr>
+          <a:xfrm>
+            <a:off x="5488940" y="299085"/>
+            <a:ext cx="1113790" cy="0"/>
+          </a:xfrm>
+          <a:prstGeom prst="straightConnector1">
+            <a:avLst/>
+          </a:prstGeom>
+          <a:ln>
+            <a:tailEnd type="arrow"/>
+          </a:ln>
+        </p:spPr>
+        <p:style>
+          <a:lnRef idx="2">
+            <a:schemeClr val="accent1"/>
+          </a:lnRef>
+          <a:fillRef idx="0">
+            <a:srgbClr val="FFFFFF"/>
+          </a:fillRef>
+          <a:effectRef idx="0">
+            <a:srgbClr val="FFFFFF"/>
+          </a:effectRef>
+          <a:fontRef idx="minor">
+            <a:schemeClr val="tx1"/>
+          </a:fontRef>
+        </p:style>
+      </p:cxnSp>
+      <p:sp>
+        <p:nvSpPr>
+          <p:cNvPr id="6" name="Text Box 5"/>
+          <p:cNvSpPr txBox="1"/>
+          <p:nvPr/>
+        </p:nvSpPr>
+        <p:spPr>
+          <a:xfrm>
+            <a:off x="6797675" y="117475"/>
+            <a:ext cx="648970" cy="362585"/>
+          </a:xfrm>
+          <a:prstGeom prst="rect">
+            <a:avLst/>
+          </a:prstGeom>
+          <a:noFill/>
+        </p:spPr>
+        <p:txBody>
+          <a:bodyPr wrap="square" rtlCol="0">
+            <a:noAutofit/>
+          </a:bodyPr>
+          <a:p>
+            <a:r>
+              <a:rPr lang="en-US"/>
+              <a:t>P(c)</a:t>
+            </a:r>
+            <a:endParaRPr lang="zh-CN" altLang="en-US"/>
+          </a:p>
+        </p:txBody>
+      </p:sp>
+      <p:cxnSp>
+        <p:nvCxnSpPr>
+          <p:cNvPr id="7" name="Straight Arrow Connector 6"/>
+          <p:cNvCxnSpPr/>
+          <p:nvPr/>
+        </p:nvCxnSpPr>
+        <p:spPr>
+          <a:xfrm>
+            <a:off x="7622540" y="293370"/>
+            <a:ext cx="1601470" cy="0"/>
+          </a:xfrm>
+          <a:prstGeom prst="straightConnector1">
+            <a:avLst/>
+          </a:prstGeom>
+          <a:ln>
+            <a:tailEnd type="arrow"/>
+          </a:ln>
+        </p:spPr>
+        <p:style>
+          <a:lnRef idx="2">
+            <a:schemeClr val="accent1"/>
+          </a:lnRef>
+          <a:fillRef idx="0">
+            <a:srgbClr val="FFFFFF"/>
+          </a:fillRef>
+          <a:effectRef idx="0">
+            <a:srgbClr val="FFFFFF"/>
+          </a:effectRef>
+          <a:fontRef idx="minor">
+            <a:schemeClr val="tx1"/>
+          </a:fontRef>
+        </p:style>
+      </p:cxnSp>
+      <p:sp>
+        <p:nvSpPr>
+          <p:cNvPr id="8" name="Text Box 7"/>
+          <p:cNvSpPr txBox="1"/>
+          <p:nvPr/>
+        </p:nvSpPr>
+        <p:spPr>
+          <a:xfrm>
+            <a:off x="9291320" y="111760"/>
+            <a:ext cx="1893570" cy="362585"/>
+          </a:xfrm>
+          <a:prstGeom prst="rect">
+            <a:avLst/>
+          </a:prstGeom>
+          <a:noFill/>
+        </p:spPr>
+        <p:txBody>
+          <a:bodyPr wrap="square" rtlCol="0">
+            <a:noAutofit/>
+          </a:bodyPr>
+          <a:p>
+            <a:r>
+              <a:rPr lang="en-US"/>
+              <a:t>Bounds</a:t>
+            </a:r>
+            <a:endParaRPr lang="zh-CN" altLang="en-US"/>
+          </a:p>
+        </p:txBody>
+      </p:sp>
+      <p:sp>
+        <p:nvSpPr>
+          <p:cNvPr id="10" name="Text Box 9"/>
+          <p:cNvSpPr txBox="1"/>
+          <p:nvPr/>
+        </p:nvSpPr>
+        <p:spPr>
+          <a:xfrm>
+            <a:off x="2441575" y="808355"/>
+            <a:ext cx="1438910" cy="868045"/>
+          </a:xfrm>
+          <a:prstGeom prst="rect">
+            <a:avLst/>
+          </a:prstGeom>
+          <a:noFill/>
+        </p:spPr>
+        <p:txBody>
+          <a:bodyPr wrap="square" rtlCol="0">
+            <a:noAutofit/>
+          </a:bodyPr>
+          <a:p>
+            <a:r>
+              <a:rPr lang="en-US" sz="1200">
+                <a:solidFill>
+                  <a:srgbClr val="0070C0"/>
+                </a:solidFill>
+              </a:rPr>
+              <a:t>spectral norm</a:t>
+            </a:r>
+            <a:endParaRPr lang="en-US" sz="1200">
+              <a:solidFill>
+                <a:srgbClr val="0070C0"/>
+              </a:solidFill>
+            </a:endParaRPr>
+          </a:p>
+          <a:p>
+            <a:r>
+              <a:rPr lang="en-US" sz="1200">
+                <a:solidFill>
+                  <a:srgbClr val="0070C0"/>
+                </a:solidFill>
+              </a:rPr>
+              <a:t>Frobenius</a:t>
+            </a:r>
+            <a:endParaRPr lang="en-US" sz="1200">
+              <a:solidFill>
+                <a:srgbClr val="0070C0"/>
+              </a:solidFill>
+            </a:endParaRPr>
+          </a:p>
+          <a:p>
+            <a:r>
+              <a:rPr lang="en-US" sz="1200">
+                <a:solidFill>
+                  <a:srgbClr val="0070C0"/>
+                </a:solidFill>
+              </a:rPr>
+              <a:t>Path norm</a:t>
+            </a:r>
+            <a:endParaRPr lang="en-US" sz="1200">
+              <a:solidFill>
+                <a:srgbClr val="0070C0"/>
+              </a:solidFill>
+            </a:endParaRPr>
+          </a:p>
+          <a:p>
+            <a:r>
+              <a:rPr lang="en-US" altLang="zh-CN" sz="1200">
+                <a:solidFill>
+                  <a:srgbClr val="0070C0"/>
+                </a:solidFill>
+              </a:rPr>
+              <a:t>...</a:t>
+            </a:r>
+            <a:endParaRPr lang="en-US" altLang="zh-CN" sz="1200">
+              <a:solidFill>
+                <a:srgbClr val="0070C0"/>
+              </a:solidFill>
+            </a:endParaRPr>
+          </a:p>
+        </p:txBody>
+      </p:sp>
+      <p:sp>
+        <p:nvSpPr>
+          <p:cNvPr id="11" name="Text Box 10"/>
+          <p:cNvSpPr txBox="1"/>
+          <p:nvPr/>
+        </p:nvSpPr>
+        <p:spPr>
+          <a:xfrm>
+            <a:off x="5573395" y="808355"/>
+            <a:ext cx="1063625" cy="487045"/>
+          </a:xfrm>
+          <a:prstGeom prst="rect">
+            <a:avLst/>
+          </a:prstGeom>
+          <a:noFill/>
+        </p:spPr>
+        <p:txBody>
+          <a:bodyPr wrap="square" rtlCol="0">
+            <a:noAutofit/>
+          </a:bodyPr>
+          <a:p>
+            <a:r>
+              <a:rPr lang="en-US" sz="1200">
+                <a:solidFill>
+                  <a:srgbClr val="0070C0"/>
+                </a:solidFill>
+              </a:rPr>
+              <a:t>Boltzmann</a:t>
+            </a:r>
+            <a:endParaRPr lang="en-US" sz="1200">
+              <a:solidFill>
+                <a:srgbClr val="0070C0"/>
+              </a:solidFill>
+            </a:endParaRPr>
+          </a:p>
+          <a:p>
+            <a:r>
+              <a:rPr lang="en-US" altLang="zh-CN" sz="1200">
+                <a:solidFill>
+                  <a:srgbClr val="0070C0"/>
+                </a:solidFill>
+                <a:sym typeface="+mn-ea"/>
+              </a:rPr>
+              <a:t>...</a:t>
+            </a:r>
+            <a:endParaRPr lang="en-US" sz="1200">
+              <a:solidFill>
+                <a:srgbClr val="0070C0"/>
+              </a:solidFill>
+            </a:endParaRPr>
+          </a:p>
+        </p:txBody>
+      </p:sp>
+      <p:sp>
+        <p:nvSpPr>
+          <p:cNvPr id="12" name="Text Box 11"/>
+          <p:cNvSpPr txBox="1"/>
+          <p:nvPr/>
+        </p:nvSpPr>
+        <p:spPr>
+          <a:xfrm>
+            <a:off x="7622540" y="845820"/>
+            <a:ext cx="2646045" cy="786765"/>
+          </a:xfrm>
+          <a:prstGeom prst="rect">
+            <a:avLst/>
+          </a:prstGeom>
+          <a:noFill/>
+        </p:spPr>
+        <p:txBody>
+          <a:bodyPr wrap="square" rtlCol="0">
+            <a:noAutofit/>
+          </a:bodyPr>
+          <a:p>
+            <a:r>
+              <a:rPr lang="en-US" sz="1200">
+                <a:solidFill>
+                  <a:srgbClr val="0070C0"/>
+                </a:solidFill>
+              </a:rPr>
+              <a:t>Bin_bar</a:t>
+            </a:r>
+            <a:endParaRPr lang="en-US" sz="1200">
+              <a:solidFill>
+                <a:srgbClr val="0070C0"/>
+              </a:solidFill>
+            </a:endParaRPr>
+          </a:p>
+          <a:p>
+            <a:r>
+              <a:rPr lang="en-US" sz="1200">
+                <a:solidFill>
+                  <a:srgbClr val="0070C0"/>
+                </a:solidFill>
+              </a:rPr>
+              <a:t>Chernoff relaxation</a:t>
+            </a:r>
+            <a:endParaRPr lang="en-US" sz="1200">
+              <a:solidFill>
+                <a:srgbClr val="0070C0"/>
+              </a:solidFill>
+            </a:endParaRPr>
+          </a:p>
+          <a:p>
+            <a:r>
+              <a:rPr lang="en-US" altLang="zh-CN" sz="1200">
+                <a:solidFill>
+                  <a:srgbClr val="0070C0"/>
+                </a:solidFill>
+                <a:sym typeface="+mn-ea"/>
+              </a:rPr>
+              <a:t>...</a:t>
+            </a:r>
+            <a:endParaRPr lang="en-US" sz="1200">
+              <a:solidFill>
+                <a:srgbClr val="0070C0"/>
+              </a:solidFill>
+            </a:endParaRPr>
+          </a:p>
+        </p:txBody>
+      </p:sp>
+      <p:pic>
+        <p:nvPicPr>
+          <p:cNvPr id="16" name="Picture 15"/>
+          <p:cNvPicPr>
+            <a:picLocks noChangeAspect="1"/>
+          </p:cNvPicPr>
+          <p:nvPr/>
+        </p:nvPicPr>
+        <p:blipFill>
+          <a:blip r:embed="rId1"/>
+          <a:stretch>
+            <a:fillRect/>
+          </a:stretch>
+        </p:blipFill>
+        <p:spPr>
+          <a:xfrm>
+            <a:off x="765810" y="1632585"/>
+            <a:ext cx="842645" cy="757555"/>
+          </a:xfrm>
+          <a:prstGeom prst="rect">
+            <a:avLst/>
+          </a:prstGeom>
+        </p:spPr>
+      </p:pic>
+      <p:sp>
+        <p:nvSpPr>
+          <p:cNvPr id="17" name="Text Box 16"/>
+          <p:cNvSpPr txBox="1"/>
+          <p:nvPr/>
+        </p:nvSpPr>
+        <p:spPr>
+          <a:xfrm>
+            <a:off x="2372360" y="1903095"/>
+            <a:ext cx="6096000" cy="275590"/>
+          </a:xfrm>
+          <a:prstGeom prst="rect">
+            <a:avLst/>
+          </a:prstGeom>
+          <a:noFill/>
+        </p:spPr>
+        <p:txBody>
+          <a:bodyPr wrap="square" rtlCol="0" anchor="t">
+            <a:spAutoFit/>
+          </a:bodyPr>
+          <a:p>
+            <a:r>
+              <a:rPr lang="en-US" sz="1200">
+                <a:solidFill>
+                  <a:srgbClr val="0070C0"/>
+                </a:solidFill>
+                <a:sym typeface="+mn-ea"/>
+              </a:rPr>
+              <a:t>spectral norm</a:t>
+            </a:r>
+            <a:endParaRPr lang="en-US" sz="1200">
+              <a:solidFill>
+                <a:srgbClr val="0070C0"/>
+              </a:solidFill>
+              <a:sym typeface="+mn-ea"/>
+            </a:endParaRPr>
+          </a:p>
+        </p:txBody>
+      </p:sp>
+      <p:sp>
+        <p:nvSpPr>
+          <p:cNvPr id="18" name="Text Box 17"/>
+          <p:cNvSpPr txBox="1"/>
+          <p:nvPr/>
+        </p:nvSpPr>
+        <p:spPr>
+          <a:xfrm>
+            <a:off x="5529580" y="1903095"/>
+            <a:ext cx="1063625" cy="487045"/>
+          </a:xfrm>
+          <a:prstGeom prst="rect">
+            <a:avLst/>
+          </a:prstGeom>
+          <a:noFill/>
+        </p:spPr>
+        <p:txBody>
+          <a:bodyPr wrap="square" rtlCol="0">
+            <a:noAutofit/>
+          </a:bodyPr>
+          <a:p>
+            <a:r>
+              <a:rPr lang="en-US" sz="1200">
+                <a:solidFill>
+                  <a:srgbClr val="0070C0"/>
+                </a:solidFill>
+              </a:rPr>
+              <a:t>Boltzmann</a:t>
+            </a:r>
+            <a:endParaRPr lang="en-US" sz="1200">
+              <a:solidFill>
+                <a:srgbClr val="0070C0"/>
+              </a:solidFill>
+            </a:endParaRPr>
+          </a:p>
+        </p:txBody>
+      </p:sp>
+      <p:sp>
+        <p:nvSpPr>
+          <p:cNvPr id="19" name="Text Box 18"/>
+          <p:cNvSpPr txBox="1"/>
+          <p:nvPr/>
+        </p:nvSpPr>
+        <p:spPr>
+          <a:xfrm>
+            <a:off x="7622540" y="1903095"/>
+            <a:ext cx="2646045" cy="786765"/>
+          </a:xfrm>
+          <a:prstGeom prst="rect">
+            <a:avLst/>
+          </a:prstGeom>
+          <a:noFill/>
+        </p:spPr>
+        <p:txBody>
+          <a:bodyPr wrap="square" rtlCol="0">
+            <a:noAutofit/>
+          </a:bodyPr>
+          <a:p>
+            <a:r>
+              <a:rPr lang="en-US" sz="1200">
+                <a:solidFill>
+                  <a:srgbClr val="0070C0"/>
+                </a:solidFill>
+              </a:rPr>
+              <a:t>Chernoff relaxation</a:t>
+            </a:r>
+            <a:endParaRPr lang="en-US" sz="1200">
+              <a:solidFill>
+                <a:srgbClr val="0070C0"/>
+              </a:solidFill>
+            </a:endParaRPr>
+          </a:p>
+        </p:txBody>
+      </p:sp>
+      <p:pic>
+        <p:nvPicPr>
+          <p:cNvPr id="9" name="Picture 8" descr="Figure_1"/>
+          <p:cNvPicPr>
+            <a:picLocks noChangeAspect="1"/>
+          </p:cNvPicPr>
+          <p:nvPr/>
+        </p:nvPicPr>
+        <p:blipFill>
+          <a:blip r:embed="rId2"/>
+          <a:stretch>
+            <a:fillRect/>
+          </a:stretch>
+        </p:blipFill>
+        <p:spPr>
+          <a:xfrm>
+            <a:off x="2976245" y="2165985"/>
+            <a:ext cx="6139180" cy="4604385"/>
+          </a:xfrm>
+          <a:prstGeom prst="rect">
+            <a:avLst/>
+          </a:prstGeom>
+        </p:spPr>
+      </p:pic>
+    </p:spTree>
+  </p:cSld>
+  <p:clrMapOvr>
+    <a:masterClrMapping/>
+  </p:clrMapOvr>
+</p:sld>
+</file>
+
+<file path=ppt/slides/slide8.xml><?xml version="1.0" encoding="utf-8"?>
+<p:sld xmlns:a="http://schemas.openxmlformats.org/drawingml/2006/main" xmlns:r="http://schemas.openxmlformats.org/officeDocument/2006/relationships" xmlns:p="http://schemas.openxmlformats.org/presentationml/2006/main">
+  <p:cSld>
+    <p:spTree>
+      <p:nvGrpSpPr>
+        <p:cNvPr id="1" name=""/>
+        <p:cNvGrpSpPr/>
+        <p:nvPr/>
+      </p:nvGrpSpPr>
+      <p:grpSpPr/>
+      <p:sp>
+        <p:nvSpPr>
+          <p:cNvPr id="2" name="Text Box 1"/>
+          <p:cNvSpPr txBox="1"/>
+          <p:nvPr/>
+        </p:nvSpPr>
+        <p:spPr>
+          <a:xfrm>
+            <a:off x="996315" y="1788160"/>
+            <a:ext cx="1292225" cy="362585"/>
+          </a:xfrm>
+          <a:prstGeom prst="rect">
+            <a:avLst/>
+          </a:prstGeom>
+          <a:noFill/>
+        </p:spPr>
+        <p:txBody>
+          <a:bodyPr wrap="square" rtlCol="0">
+            <a:noAutofit/>
+          </a:bodyPr>
+          <a:p>
+            <a:r>
+              <a:rPr lang="en-US"/>
+              <a:t>structure</a:t>
+            </a:r>
+            <a:endParaRPr lang="en-US"/>
+          </a:p>
+        </p:txBody>
+      </p:sp>
+      <p:cxnSp>
+        <p:nvCxnSpPr>
+          <p:cNvPr id="3" name="Straight Arrow Connector 2"/>
+          <p:cNvCxnSpPr/>
+          <p:nvPr/>
+        </p:nvCxnSpPr>
+        <p:spPr>
+          <a:xfrm>
+            <a:off x="2372360" y="1969770"/>
+            <a:ext cx="1331595" cy="0"/>
+          </a:xfrm>
+          <a:prstGeom prst="straightConnector1">
+            <a:avLst/>
+          </a:prstGeom>
+          <a:ln>
+            <a:tailEnd type="arrow"/>
+          </a:ln>
+        </p:spPr>
+        <p:style>
+          <a:lnRef idx="2">
+            <a:schemeClr val="accent1"/>
+          </a:lnRef>
+          <a:fillRef idx="0">
+            <a:srgbClr val="FFFFFF"/>
+          </a:fillRef>
+          <a:effectRef idx="0">
+            <a:srgbClr val="FFFFFF"/>
+          </a:effectRef>
+          <a:fontRef idx="minor">
+            <a:schemeClr val="tx1"/>
+          </a:fontRef>
+        </p:style>
+      </p:cxnSp>
+      <p:sp>
+        <p:nvSpPr>
+          <p:cNvPr id="4" name="Text Box 3"/>
+          <p:cNvSpPr txBox="1"/>
+          <p:nvPr/>
+        </p:nvSpPr>
+        <p:spPr>
+          <a:xfrm>
+            <a:off x="3898900" y="1788160"/>
+            <a:ext cx="1674495" cy="362585"/>
+          </a:xfrm>
+          <a:prstGeom prst="rect">
+            <a:avLst/>
+          </a:prstGeom>
+          <a:noFill/>
+        </p:spPr>
+        <p:txBody>
+          <a:bodyPr wrap="square" rtlCol="0">
+            <a:noAutofit/>
+          </a:bodyPr>
+          <a:p>
+            <a:r>
+              <a:rPr lang="en-US"/>
+              <a:t>complexity</a:t>
+            </a:r>
+            <a:endParaRPr lang="en-US"/>
+          </a:p>
+        </p:txBody>
+      </p:sp>
+      <p:cxnSp>
+        <p:nvCxnSpPr>
+          <p:cNvPr id="5" name="Straight Arrow Connector 4"/>
+          <p:cNvCxnSpPr/>
+          <p:nvPr/>
+        </p:nvCxnSpPr>
+        <p:spPr>
+          <a:xfrm>
+            <a:off x="5488940" y="1975485"/>
+            <a:ext cx="1113790" cy="0"/>
+          </a:xfrm>
+          <a:prstGeom prst="straightConnector1">
+            <a:avLst/>
+          </a:prstGeom>
+          <a:ln>
+            <a:tailEnd type="arrow"/>
+          </a:ln>
+        </p:spPr>
+        <p:style>
+          <a:lnRef idx="2">
+            <a:schemeClr val="accent1"/>
+          </a:lnRef>
+          <a:fillRef idx="0">
+            <a:srgbClr val="FFFFFF"/>
+          </a:fillRef>
+          <a:effectRef idx="0">
+            <a:srgbClr val="FFFFFF"/>
+          </a:effectRef>
+          <a:fontRef idx="minor">
+            <a:schemeClr val="tx1"/>
+          </a:fontRef>
+        </p:style>
+      </p:cxnSp>
+      <p:sp>
+        <p:nvSpPr>
+          <p:cNvPr id="6" name="Text Box 5"/>
+          <p:cNvSpPr txBox="1"/>
+          <p:nvPr/>
+        </p:nvSpPr>
+        <p:spPr>
+          <a:xfrm>
+            <a:off x="6797675" y="1793875"/>
+            <a:ext cx="648970" cy="362585"/>
+          </a:xfrm>
+          <a:prstGeom prst="rect">
+            <a:avLst/>
+          </a:prstGeom>
+          <a:noFill/>
+        </p:spPr>
+        <p:txBody>
+          <a:bodyPr wrap="square" rtlCol="0">
+            <a:noAutofit/>
+          </a:bodyPr>
+          <a:p>
+            <a:r>
+              <a:rPr lang="en-US"/>
+              <a:t>P(c)</a:t>
+            </a:r>
+            <a:endParaRPr lang="zh-CN" altLang="en-US"/>
+          </a:p>
+        </p:txBody>
+      </p:sp>
+      <p:cxnSp>
+        <p:nvCxnSpPr>
+          <p:cNvPr id="7" name="Straight Arrow Connector 6"/>
+          <p:cNvCxnSpPr/>
+          <p:nvPr/>
+        </p:nvCxnSpPr>
+        <p:spPr>
+          <a:xfrm>
+            <a:off x="7622540" y="1969770"/>
+            <a:ext cx="1601470" cy="0"/>
+          </a:xfrm>
+          <a:prstGeom prst="straightConnector1">
+            <a:avLst/>
+          </a:prstGeom>
+          <a:ln>
+            <a:tailEnd type="arrow"/>
+          </a:ln>
+        </p:spPr>
+        <p:style>
+          <a:lnRef idx="2">
+            <a:schemeClr val="accent1"/>
+          </a:lnRef>
+          <a:fillRef idx="0">
+            <a:srgbClr val="FFFFFF"/>
+          </a:fillRef>
+          <a:effectRef idx="0">
+            <a:srgbClr val="FFFFFF"/>
+          </a:effectRef>
+          <a:fontRef idx="minor">
+            <a:schemeClr val="tx1"/>
+          </a:fontRef>
+        </p:style>
+      </p:cxnSp>
+      <p:sp>
+        <p:nvSpPr>
+          <p:cNvPr id="8" name="Text Box 7"/>
+          <p:cNvSpPr txBox="1"/>
+          <p:nvPr/>
+        </p:nvSpPr>
+        <p:spPr>
+          <a:xfrm>
+            <a:off x="9291320" y="1793875"/>
+            <a:ext cx="1893570" cy="362585"/>
+          </a:xfrm>
+          <a:prstGeom prst="rect">
+            <a:avLst/>
+          </a:prstGeom>
+          <a:noFill/>
+        </p:spPr>
+        <p:txBody>
+          <a:bodyPr wrap="square" rtlCol="0">
+            <a:noAutofit/>
+          </a:bodyPr>
+          <a:p>
+            <a:r>
+              <a:rPr lang="en-US"/>
+              <a:t>Bounds</a:t>
+            </a:r>
+            <a:endParaRPr lang="zh-CN" altLang="en-US"/>
+          </a:p>
+        </p:txBody>
+      </p:sp>
+      <p:sp>
+        <p:nvSpPr>
+          <p:cNvPr id="10" name="Text Box 9"/>
+          <p:cNvSpPr txBox="1"/>
+          <p:nvPr/>
+        </p:nvSpPr>
+        <p:spPr>
+          <a:xfrm>
+            <a:off x="2493010" y="2484755"/>
+            <a:ext cx="1438910" cy="868045"/>
+          </a:xfrm>
+          <a:prstGeom prst="rect">
+            <a:avLst/>
+          </a:prstGeom>
+          <a:noFill/>
+        </p:spPr>
+        <p:txBody>
+          <a:bodyPr wrap="square" rtlCol="0">
+            <a:noAutofit/>
+          </a:bodyPr>
+          <a:p>
+            <a:r>
+              <a:rPr lang="en-US" sz="1200">
+                <a:solidFill>
+                  <a:srgbClr val="FF0000"/>
+                </a:solidFill>
+              </a:rPr>
+              <a:t>Complete</a:t>
+            </a:r>
+            <a:endParaRPr lang="en-US" altLang="zh-CN" sz="1200">
+              <a:solidFill>
+                <a:srgbClr val="FF0000"/>
+              </a:solidFill>
+            </a:endParaRPr>
+          </a:p>
+        </p:txBody>
+      </p:sp>
+      <p:sp>
+        <p:nvSpPr>
+          <p:cNvPr id="9" name="Text Box 8"/>
+          <p:cNvSpPr txBox="1"/>
+          <p:nvPr/>
+        </p:nvSpPr>
+        <p:spPr>
+          <a:xfrm>
+            <a:off x="5535930" y="2484755"/>
+            <a:ext cx="1438910" cy="868045"/>
+          </a:xfrm>
+          <a:prstGeom prst="rect">
+            <a:avLst/>
+          </a:prstGeom>
+          <a:noFill/>
+        </p:spPr>
+        <p:txBody>
+          <a:bodyPr wrap="square" rtlCol="0">
+            <a:noAutofit/>
+          </a:bodyPr>
+          <a:p>
+            <a:r>
+              <a:rPr lang="en-US" sz="1200">
+                <a:solidFill>
+                  <a:srgbClr val="FF0000"/>
+                </a:solidFill>
+              </a:rPr>
+              <a:t>Complete</a:t>
+            </a:r>
+            <a:endParaRPr lang="en-US" altLang="zh-CN" sz="1200">
+              <a:solidFill>
+                <a:srgbClr val="FF0000"/>
+              </a:solidFill>
+            </a:endParaRPr>
+          </a:p>
+        </p:txBody>
+      </p:sp>
+      <p:sp>
+        <p:nvSpPr>
+          <p:cNvPr id="13" name="Text Box 12"/>
+          <p:cNvSpPr txBox="1"/>
+          <p:nvPr/>
+        </p:nvSpPr>
+        <p:spPr>
+          <a:xfrm>
+            <a:off x="7933690" y="2484755"/>
+            <a:ext cx="1438910" cy="868045"/>
+          </a:xfrm>
+          <a:prstGeom prst="rect">
+            <a:avLst/>
+          </a:prstGeom>
+          <a:noFill/>
+        </p:spPr>
+        <p:txBody>
+          <a:bodyPr wrap="square" rtlCol="0">
+            <a:noAutofit/>
+          </a:bodyPr>
+          <a:p>
+            <a:r>
+              <a:rPr lang="en-US" sz="1200">
+                <a:solidFill>
+                  <a:srgbClr val="FF0000"/>
+                </a:solidFill>
+              </a:rPr>
+              <a:t>Complete</a:t>
+            </a:r>
+            <a:endParaRPr lang="en-US" altLang="zh-CN" sz="1200">
+              <a:solidFill>
+                <a:srgbClr val="FF0000"/>
+              </a:solidFill>
+            </a:endParaRPr>
+          </a:p>
+        </p:txBody>
+      </p:sp>
+      <p:sp>
+        <p:nvSpPr>
+          <p:cNvPr id="14" name="Text Box 13"/>
+          <p:cNvSpPr txBox="1"/>
+          <p:nvPr/>
+        </p:nvSpPr>
+        <p:spPr>
+          <a:xfrm>
+            <a:off x="314325" y="349885"/>
+            <a:ext cx="1292225" cy="362585"/>
+          </a:xfrm>
+          <a:prstGeom prst="rect">
+            <a:avLst/>
+          </a:prstGeom>
+          <a:noFill/>
+        </p:spPr>
+        <p:txBody>
+          <a:bodyPr wrap="square" rtlCol="0">
+            <a:noAutofit/>
+          </a:bodyPr>
+          <a:p>
+            <a:r>
+              <a:rPr lang="en-US"/>
+              <a:t>Next:</a:t>
+            </a:r>
+            <a:endParaRPr lang="en-US"/>
+          </a:p>
+        </p:txBody>
+      </p:sp>
+      <p:sp>
+        <p:nvSpPr>
+          <p:cNvPr id="20" name="Text Box 19"/>
+          <p:cNvSpPr txBox="1"/>
+          <p:nvPr/>
+        </p:nvSpPr>
+        <p:spPr>
+          <a:xfrm>
+            <a:off x="996315" y="3867785"/>
+            <a:ext cx="5803265" cy="362585"/>
+          </a:xfrm>
+          <a:prstGeom prst="rect">
+            <a:avLst/>
+          </a:prstGeom>
+          <a:noFill/>
+        </p:spPr>
+        <p:txBody>
+          <a:bodyPr wrap="square" rtlCol="0">
+            <a:noAutofit/>
+          </a:bodyPr>
+          <a:p>
+            <a:r>
+              <a:rPr lang="en-US"/>
+              <a:t>Apply to the Flexible Robots</a:t>
+            </a:r>
+            <a:endParaRPr lang="en-US"/>
+          </a:p>
+        </p:txBody>
+      </p:sp>
+      <p:sp>
+        <p:nvSpPr>
+          <p:cNvPr id="21" name="Text Box 20"/>
+          <p:cNvSpPr txBox="1"/>
+          <p:nvPr/>
+        </p:nvSpPr>
+        <p:spPr>
+          <a:xfrm>
+            <a:off x="994410" y="5526405"/>
+            <a:ext cx="5803265" cy="362585"/>
+          </a:xfrm>
+          <a:prstGeom prst="rect">
+            <a:avLst/>
+          </a:prstGeom>
+          <a:noFill/>
+        </p:spPr>
+        <p:txBody>
+          <a:bodyPr wrap="square" rtlCol="0">
+            <a:noAutofit/>
+          </a:bodyPr>
+          <a:p>
+            <a:r>
+              <a:rPr lang="en-US"/>
+              <a:t>bound from the test set</a:t>
+            </a:r>
+            <a:endParaRPr lang="en-US"/>
+          </a:p>
+        </p:txBody>
+      </p:sp>
+    </p:spTree>
+  </p:cSld>
+  <p:clrMapOvr>
+    <a:masterClrMapping/>
+  </p:clrMapOvr>
+</p:sld>
+</file>
+
+<file path=ppt/slides/slide9.xml><?xml version="1.0" encoding="utf-8"?>
+<p:sld xmlns:a="http://schemas.openxmlformats.org/drawingml/2006/main" xmlns:r="http://schemas.openxmlformats.org/officeDocument/2006/relationships" xmlns:p="http://schemas.openxmlformats.org/presentationml/2006/main">
+  <p:cSld>
+    <p:spTree>
+      <p:nvGrpSpPr>
+        <p:cNvPr id="1" name=""/>
+        <p:cNvGrpSpPr/>
+        <p:nvPr/>
+      </p:nvGrpSpPr>
+      <p:grpSpPr/>
+      <p:pic>
+        <p:nvPicPr>
+          <p:cNvPr id="2" name="Picture 1"/>
+          <p:cNvPicPr>
+            <a:picLocks noChangeAspect="1"/>
+          </p:cNvPicPr>
+          <p:nvPr/>
+        </p:nvPicPr>
+        <p:blipFill>
+          <a:blip r:embed="rId1"/>
+          <a:stretch>
+            <a:fillRect/>
+          </a:stretch>
+        </p:blipFill>
+        <p:spPr>
+          <a:xfrm>
+            <a:off x="5304790" y="793115"/>
+            <a:ext cx="5781675" cy="1265555"/>
+          </a:xfrm>
+          <a:prstGeom prst="rect">
+            <a:avLst/>
+          </a:prstGeom>
+        </p:spPr>
+      </p:pic>
+      <p:pic>
+        <p:nvPicPr>
+          <p:cNvPr id="5" name="Picture 4"/>
+          <p:cNvPicPr>
+            <a:picLocks noChangeAspect="1"/>
+          </p:cNvPicPr>
+          <p:nvPr/>
+        </p:nvPicPr>
+        <p:blipFill>
+          <a:blip r:embed="rId2"/>
+          <a:stretch>
+            <a:fillRect/>
+          </a:stretch>
+        </p:blipFill>
+        <p:spPr>
+          <a:xfrm>
+            <a:off x="837565" y="800735"/>
+            <a:ext cx="3690620" cy="1257935"/>
+          </a:xfrm>
+          <a:prstGeom prst="rect">
+            <a:avLst/>
+          </a:prstGeom>
+        </p:spPr>
+      </p:pic>
+      <p:sp>
+        <p:nvSpPr>
+          <p:cNvPr id="6" name="Text Box 5"/>
+          <p:cNvSpPr txBox="1"/>
+          <p:nvPr/>
+        </p:nvSpPr>
+        <p:spPr>
+          <a:xfrm>
+            <a:off x="837565" y="3485515"/>
+            <a:ext cx="6109970" cy="368300"/>
+          </a:xfrm>
+          <a:prstGeom prst="rect">
+            <a:avLst/>
+          </a:prstGeom>
+          <a:noFill/>
+        </p:spPr>
+        <p:txBody>
+          <a:bodyPr wrap="square" rtlCol="0">
+            <a:spAutoFit/>
+          </a:bodyPr>
+          <a:p>
+            <a:r>
+              <a:rPr lang="en-US"/>
+              <a:t>ICRA due around September 2025 </a:t>
+            </a:r>
+            <a:endParaRPr lang="en-US"/>
+          </a:p>
+        </p:txBody>
+      </p:sp>
+      <p:sp>
+        <p:nvSpPr>
+          <p:cNvPr id="8" name="Text Box 7"/>
+          <p:cNvSpPr txBox="1"/>
+          <p:nvPr/>
+        </p:nvSpPr>
+        <p:spPr>
+          <a:xfrm>
+            <a:off x="837565" y="4887595"/>
+            <a:ext cx="6109970" cy="368300"/>
+          </a:xfrm>
+          <a:prstGeom prst="rect">
+            <a:avLst/>
+          </a:prstGeom>
+          <a:noFill/>
+        </p:spPr>
+        <p:txBody>
+          <a:bodyPr wrap="square" rtlCol="0">
+            <a:spAutoFit/>
+          </a:bodyPr>
+          <a:p>
+            <a:r>
+              <a:rPr lang="en-US"/>
+              <a:t>Share with my friend</a:t>
+            </a:r>
+            <a:endParaRPr lang="en-US"/>
+          </a:p>
+        </p:txBody>
+      </p:sp>
     </p:spTree>
   </p:cSld>
   <p:clrMapOvr>

--- a/bound.pptx
+++ b/bound.pptx
@@ -5018,8 +5018,32 @@
         </p:blipFill>
         <p:spPr>
           <a:xfrm>
-            <a:off x="2976245" y="2165985"/>
+            <a:off x="5353685" y="2165985"/>
             <a:ext cx="6139180" cy="4604385"/>
+          </a:xfrm>
+          <a:prstGeom prst="rect">
+            <a:avLst/>
+          </a:prstGeom>
+        </p:spPr>
+      </p:pic>
+      <p:pic>
+        <p:nvPicPr>
+          <p:cNvPr id="13" name="Picture 12"/>
+          <p:cNvPicPr>
+            <a:picLocks noChangeAspect="1"/>
+          </p:cNvPicPr>
+          <p:nvPr/>
+        </p:nvPicPr>
+        <p:blipFill>
+          <a:blip r:embed="rId3"/>
+          <a:stretch>
+            <a:fillRect/>
+          </a:stretch>
+        </p:blipFill>
+        <p:spPr>
+          <a:xfrm>
+            <a:off x="676275" y="3838575"/>
+            <a:ext cx="4259580" cy="1051560"/>
           </a:xfrm>
           <a:prstGeom prst="rect">
             <a:avLst/>

--- a/bound.pptx
+++ b/bound.pptx
@@ -5028,7 +5028,7 @@
       </p:pic>
       <p:pic>
         <p:nvPicPr>
-          <p:cNvPr id="13" name="Picture 12"/>
+          <p:cNvPr id="14" name="Picture 13"/>
           <p:cNvPicPr>
             <a:picLocks noChangeAspect="1"/>
           </p:cNvPicPr>
@@ -5042,8 +5042,8 @@
         </p:blipFill>
         <p:spPr>
           <a:xfrm>
-            <a:off x="676275" y="3838575"/>
-            <a:ext cx="4259580" cy="1051560"/>
+            <a:off x="860425" y="4028440"/>
+            <a:ext cx="4130040" cy="640080"/>
           </a:xfrm>
           <a:prstGeom prst="rect">
             <a:avLst/>

--- a/bound.pptx
+++ b/bound.pptx
@@ -4421,8 +4421,32 @@
         </p:blipFill>
         <p:spPr>
           <a:xfrm>
-            <a:off x="3761740" y="2185670"/>
+            <a:off x="4645660" y="2185035"/>
             <a:ext cx="4513580" cy="4669155"/>
+          </a:xfrm>
+          <a:prstGeom prst="rect">
+            <a:avLst/>
+          </a:prstGeom>
+        </p:spPr>
+      </p:pic>
+      <p:pic>
+        <p:nvPicPr>
+          <p:cNvPr id="9" name="Picture 8"/>
+          <p:cNvPicPr>
+            <a:picLocks noChangeAspect="1"/>
+          </p:cNvPicPr>
+          <p:nvPr/>
+        </p:nvPicPr>
+        <p:blipFill>
+          <a:blip r:embed="rId3"/>
+          <a:stretch>
+            <a:fillRect/>
+          </a:stretch>
+        </p:blipFill>
+        <p:spPr>
+          <a:xfrm>
+            <a:off x="1608455" y="3429000"/>
+            <a:ext cx="2383155" cy="508635"/>
           </a:xfrm>
           <a:prstGeom prst="rect">
             <a:avLst/>
